--- a/中越詩歌/如果你想知道_Nếu bạn muốn biết.pptx
+++ b/中越詩歌/如果你想知道_Nếu bạn muốn biết.pptx
@@ -116,6 +116,11 @@
       </a:defRPr>
     </a:lvl9pPr>
   </p:defaultTextStyle>
+  <p:extLst>
+    <p:ext uri="{EFAFB233-063F-42B5-8137-9DF3F51BA10A}">
+      <p15:sldGuideLst xmlns:p15="http://schemas.microsoft.com/office/powerpoint/2012/main"/>
+    </p:ext>
+  </p:extLst>
 </p:presentation>
 </file>
 
@@ -300,7 +305,7 @@
           <a:p>
             <a:fld id="{069965B5-F552-4E18-8651-F7016DEF460E}" type="datetimeFigureOut">
               <a:rPr lang="vi-VN" smtClean="0"/>
-              <a:t>03/05/2022</a:t>
+              <a:t>06/05/2023</a:t>
             </a:fld>
             <a:endParaRPr lang="vi-VN"/>
           </a:p>
@@ -470,7 +475,7 @@
           <a:p>
             <a:fld id="{069965B5-F552-4E18-8651-F7016DEF460E}" type="datetimeFigureOut">
               <a:rPr lang="vi-VN" smtClean="0"/>
-              <a:t>03/05/2022</a:t>
+              <a:t>06/05/2023</a:t>
             </a:fld>
             <a:endParaRPr lang="vi-VN"/>
           </a:p>
@@ -650,7 +655,7 @@
           <a:p>
             <a:fld id="{069965B5-F552-4E18-8651-F7016DEF460E}" type="datetimeFigureOut">
               <a:rPr lang="vi-VN" smtClean="0"/>
-              <a:t>03/05/2022</a:t>
+              <a:t>06/05/2023</a:t>
             </a:fld>
             <a:endParaRPr lang="vi-VN"/>
           </a:p>
@@ -820,7 +825,7 @@
           <a:p>
             <a:fld id="{069965B5-F552-4E18-8651-F7016DEF460E}" type="datetimeFigureOut">
               <a:rPr lang="vi-VN" smtClean="0"/>
-              <a:t>03/05/2022</a:t>
+              <a:t>06/05/2023</a:t>
             </a:fld>
             <a:endParaRPr lang="vi-VN"/>
           </a:p>
@@ -1066,7 +1071,7 @@
           <a:p>
             <a:fld id="{069965B5-F552-4E18-8651-F7016DEF460E}" type="datetimeFigureOut">
               <a:rPr lang="vi-VN" smtClean="0"/>
-              <a:t>03/05/2022</a:t>
+              <a:t>06/05/2023</a:t>
             </a:fld>
             <a:endParaRPr lang="vi-VN"/>
           </a:p>
@@ -1354,7 +1359,7 @@
           <a:p>
             <a:fld id="{069965B5-F552-4E18-8651-F7016DEF460E}" type="datetimeFigureOut">
               <a:rPr lang="vi-VN" smtClean="0"/>
-              <a:t>03/05/2022</a:t>
+              <a:t>06/05/2023</a:t>
             </a:fld>
             <a:endParaRPr lang="vi-VN"/>
           </a:p>
@@ -1776,7 +1781,7 @@
           <a:p>
             <a:fld id="{069965B5-F552-4E18-8651-F7016DEF460E}" type="datetimeFigureOut">
               <a:rPr lang="vi-VN" smtClean="0"/>
-              <a:t>03/05/2022</a:t>
+              <a:t>06/05/2023</a:t>
             </a:fld>
             <a:endParaRPr lang="vi-VN"/>
           </a:p>
@@ -1894,7 +1899,7 @@
           <a:p>
             <a:fld id="{069965B5-F552-4E18-8651-F7016DEF460E}" type="datetimeFigureOut">
               <a:rPr lang="vi-VN" smtClean="0"/>
-              <a:t>03/05/2022</a:t>
+              <a:t>06/05/2023</a:t>
             </a:fld>
             <a:endParaRPr lang="vi-VN"/>
           </a:p>
@@ -1989,7 +1994,7 @@
           <a:p>
             <a:fld id="{069965B5-F552-4E18-8651-F7016DEF460E}" type="datetimeFigureOut">
               <a:rPr lang="vi-VN" smtClean="0"/>
-              <a:t>03/05/2022</a:t>
+              <a:t>06/05/2023</a:t>
             </a:fld>
             <a:endParaRPr lang="vi-VN"/>
           </a:p>
@@ -2266,7 +2271,7 @@
           <a:p>
             <a:fld id="{069965B5-F552-4E18-8651-F7016DEF460E}" type="datetimeFigureOut">
               <a:rPr lang="vi-VN" smtClean="0"/>
-              <a:t>03/05/2022</a:t>
+              <a:t>06/05/2023</a:t>
             </a:fld>
             <a:endParaRPr lang="vi-VN"/>
           </a:p>
@@ -2523,7 +2528,7 @@
           <a:p>
             <a:fld id="{069965B5-F552-4E18-8651-F7016DEF460E}" type="datetimeFigureOut">
               <a:rPr lang="vi-VN" smtClean="0"/>
-              <a:t>03/05/2022</a:t>
+              <a:t>06/05/2023</a:t>
             </a:fld>
             <a:endParaRPr lang="vi-VN"/>
           </a:p>
@@ -2741,7 +2746,7 @@
           <a:p>
             <a:fld id="{069965B5-F552-4E18-8651-F7016DEF460E}" type="datetimeFigureOut">
               <a:rPr lang="vi-VN" smtClean="0"/>
-              <a:t>03/05/2022</a:t>
+              <a:t>06/05/2023</a:t>
             </a:fld>
             <a:endParaRPr lang="vi-VN"/>
           </a:p>
@@ -4532,10 +4537,138 @@
                 <a:solidFill>
                   <a:srgbClr val="660033"/>
                 </a:solidFill>
-                <a:ea typeface="微軟正黑體" pitchFamily="34" charset="-120"/>
-              </a:rPr>
-              <a:t>Tình yêu thương ở trong lòng của Cha Mẹ</a:t>
-            </a:r>
+                <a:latin typeface="Calibri" panose="020F0502020204030204" pitchFamily="34" charset="0"/>
+                <a:ea typeface="微軟正黑體" pitchFamily="34" charset="-120"/>
+              </a:rPr>
+              <a:t>Tình yêu thương </a:t>
+            </a:r>
+            <a:r>
+              <a:rPr lang="en-US" sz="3600" b="1" dirty="0" err="1">
+                <a:solidFill>
+                  <a:srgbClr val="660033"/>
+                </a:solidFill>
+                <a:latin typeface="Calibri" panose="020F0502020204030204" pitchFamily="34" charset="0"/>
+                <a:ea typeface="微軟正黑體" pitchFamily="34" charset="-120"/>
+              </a:rPr>
+              <a:t>tồn</a:t>
+            </a:r>
+            <a:r>
+              <a:rPr lang="en-US" sz="3600" b="1" dirty="0">
+                <a:solidFill>
+                  <a:srgbClr val="660033"/>
+                </a:solidFill>
+                <a:latin typeface="Calibri" panose="020F0502020204030204" pitchFamily="34" charset="0"/>
+                <a:ea typeface="微軟正黑體" pitchFamily="34" charset="-120"/>
+              </a:rPr>
+              <a:t> </a:t>
+            </a:r>
+            <a:r>
+              <a:rPr lang="en-US" sz="3600" b="1" dirty="0" err="1">
+                <a:solidFill>
+                  <a:srgbClr val="660033"/>
+                </a:solidFill>
+                <a:latin typeface="Calibri" panose="020F0502020204030204" pitchFamily="34" charset="0"/>
+                <a:ea typeface="微軟正黑體" pitchFamily="34" charset="-120"/>
+              </a:rPr>
+              <a:t>tại</a:t>
+            </a:r>
+            <a:r>
+              <a:rPr lang="en-US" sz="3600" b="1" dirty="0">
+                <a:solidFill>
+                  <a:srgbClr val="660033"/>
+                </a:solidFill>
+                <a:latin typeface="Calibri" panose="020F0502020204030204" pitchFamily="34" charset="0"/>
+                <a:ea typeface="微軟正黑體" pitchFamily="34" charset="-120"/>
+              </a:rPr>
+              <a:t> </a:t>
+            </a:r>
+            <a:r>
+              <a:rPr lang="en-US" sz="3600" b="1" dirty="0" err="1">
+                <a:solidFill>
+                  <a:srgbClr val="660033"/>
+                </a:solidFill>
+                <a:latin typeface="Calibri" panose="020F0502020204030204" pitchFamily="34" charset="0"/>
+                <a:ea typeface="微軟正黑體" pitchFamily="34" charset="-120"/>
+              </a:rPr>
+              <a:t>trên</a:t>
+            </a:r>
+            <a:r>
+              <a:rPr lang="en-US" sz="3600" b="1" dirty="0">
+                <a:solidFill>
+                  <a:srgbClr val="660033"/>
+                </a:solidFill>
+                <a:latin typeface="Calibri" panose="020F0502020204030204" pitchFamily="34" charset="0"/>
+                <a:ea typeface="微軟正黑體" pitchFamily="34" charset="-120"/>
+              </a:rPr>
+              <a:t> </a:t>
+            </a:r>
+            <a:r>
+              <a:rPr lang="en-US" sz="3600" b="1" dirty="0" err="1">
+                <a:solidFill>
+                  <a:srgbClr val="660033"/>
+                </a:solidFill>
+                <a:latin typeface="Calibri" panose="020F0502020204030204" pitchFamily="34" charset="0"/>
+                <a:ea typeface="微軟正黑體" pitchFamily="34" charset="-120"/>
+              </a:rPr>
+              <a:t>mỗi</a:t>
+            </a:r>
+            <a:r>
+              <a:rPr lang="en-US" sz="3600" b="1" dirty="0">
+                <a:solidFill>
+                  <a:srgbClr val="660033"/>
+                </a:solidFill>
+                <a:latin typeface="Calibri" panose="020F0502020204030204" pitchFamily="34" charset="0"/>
+                <a:ea typeface="微軟正黑體" pitchFamily="34" charset="-120"/>
+              </a:rPr>
+              <a:t> </a:t>
+            </a:r>
+            <a:r>
+              <a:rPr lang="en-US" sz="3600" b="1" dirty="0" err="1">
+                <a:solidFill>
+                  <a:srgbClr val="660033"/>
+                </a:solidFill>
+                <a:latin typeface="Calibri" panose="020F0502020204030204" pitchFamily="34" charset="0"/>
+                <a:ea typeface="微軟正黑體" pitchFamily="34" charset="-120"/>
+              </a:rPr>
+              <a:t>nụ</a:t>
+            </a:r>
+            <a:r>
+              <a:rPr lang="en-US" sz="3600" b="1" dirty="0">
+                <a:solidFill>
+                  <a:srgbClr val="660033"/>
+                </a:solidFill>
+                <a:latin typeface="Calibri" panose="020F0502020204030204" pitchFamily="34" charset="0"/>
+                <a:ea typeface="微軟正黑體" pitchFamily="34" charset="-120"/>
+              </a:rPr>
+              <a:t> </a:t>
+            </a:r>
+            <a:r>
+              <a:rPr lang="en-US" sz="3600" b="1" dirty="0" err="1">
+                <a:solidFill>
+                  <a:srgbClr val="660033"/>
+                </a:solidFill>
+                <a:latin typeface="Calibri" panose="020F0502020204030204" pitchFamily="34" charset="0"/>
+                <a:ea typeface="微軟正黑體" pitchFamily="34" charset="-120"/>
+              </a:rPr>
+              <a:t>cười</a:t>
+            </a:r>
+            <a:r>
+              <a:rPr lang="en-US" sz="3600" b="1" dirty="0">
+                <a:solidFill>
+                  <a:srgbClr val="660033"/>
+                </a:solidFill>
+                <a:latin typeface="Calibri" panose="020F0502020204030204" pitchFamily="34" charset="0"/>
+                <a:ea typeface="微軟正黑體" pitchFamily="34" charset="-120"/>
+              </a:rPr>
+              <a:t> </a:t>
+            </a:r>
+            <a:endParaRPr lang="vi-VN" sz="3600" b="1" dirty="0">
+              <a:solidFill>
+                <a:srgbClr val="660033"/>
+              </a:solidFill>
+              <a:latin typeface="Calibri" panose="020F0502020204030204" pitchFamily="34" charset="0"/>
+              <a:ea typeface="微軟正黑體" pitchFamily="34" charset="-120"/>
+            </a:endParaRPr>
           </a:p>
         </p:txBody>
       </p:sp>
@@ -7095,27 +7228,7 @@
                 <a:latin typeface="微軟正黑體"/>
                 <a:ea typeface="微軟正黑體"/>
               </a:rPr>
-              <a:t>愛從何</a:t>
-            </a:r>
-            <a:r>
-              <a:rPr lang="zh-TW" altLang="en-US" sz="6400" b="1" spc="-1" dirty="0">
-                <a:solidFill>
-                  <a:srgbClr val="000066"/>
-                </a:solidFill>
-                <a:latin typeface="微軟正黑體"/>
-                <a:ea typeface="微軟正黑體"/>
-              </a:rPr>
-              <a:t>來   愛</a:t>
-            </a:r>
-            <a:r>
-              <a:rPr lang="zh-TW" altLang="en-US" sz="6400" b="1" spc="-1" dirty="0">
-                <a:solidFill>
-                  <a:srgbClr val="000066"/>
-                </a:solidFill>
-                <a:latin typeface="微軟正黑體"/>
-                <a:ea typeface="微軟正黑體"/>
-              </a:rPr>
-              <a:t>從何來</a:t>
+              <a:t>愛從何來   愛從何來</a:t>
             </a:r>
             <a:endParaRPr lang="en-US" altLang="zh-CN" sz="6400" b="1" spc="-1" dirty="0">
               <a:solidFill>

--- a/中越詩歌/如果你想知道_Nếu bạn muốn biết.pptx
+++ b/中越詩歌/如果你想知道_Nếu bạn muốn biết.pptx
@@ -305,7 +305,7 @@
           <a:p>
             <a:fld id="{069965B5-F552-4E18-8651-F7016DEF460E}" type="datetimeFigureOut">
               <a:rPr lang="vi-VN" smtClean="0"/>
-              <a:t>06/05/2023</a:t>
+              <a:t>10/05/2023</a:t>
             </a:fld>
             <a:endParaRPr lang="vi-VN"/>
           </a:p>
@@ -475,7 +475,7 @@
           <a:p>
             <a:fld id="{069965B5-F552-4E18-8651-F7016DEF460E}" type="datetimeFigureOut">
               <a:rPr lang="vi-VN" smtClean="0"/>
-              <a:t>06/05/2023</a:t>
+              <a:t>10/05/2023</a:t>
             </a:fld>
             <a:endParaRPr lang="vi-VN"/>
           </a:p>
@@ -655,7 +655,7 @@
           <a:p>
             <a:fld id="{069965B5-F552-4E18-8651-F7016DEF460E}" type="datetimeFigureOut">
               <a:rPr lang="vi-VN" smtClean="0"/>
-              <a:t>06/05/2023</a:t>
+              <a:t>10/05/2023</a:t>
             </a:fld>
             <a:endParaRPr lang="vi-VN"/>
           </a:p>
@@ -825,7 +825,7 @@
           <a:p>
             <a:fld id="{069965B5-F552-4E18-8651-F7016DEF460E}" type="datetimeFigureOut">
               <a:rPr lang="vi-VN" smtClean="0"/>
-              <a:t>06/05/2023</a:t>
+              <a:t>10/05/2023</a:t>
             </a:fld>
             <a:endParaRPr lang="vi-VN"/>
           </a:p>
@@ -1071,7 +1071,7 @@
           <a:p>
             <a:fld id="{069965B5-F552-4E18-8651-F7016DEF460E}" type="datetimeFigureOut">
               <a:rPr lang="vi-VN" smtClean="0"/>
-              <a:t>06/05/2023</a:t>
+              <a:t>10/05/2023</a:t>
             </a:fld>
             <a:endParaRPr lang="vi-VN"/>
           </a:p>
@@ -1359,7 +1359,7 @@
           <a:p>
             <a:fld id="{069965B5-F552-4E18-8651-F7016DEF460E}" type="datetimeFigureOut">
               <a:rPr lang="vi-VN" smtClean="0"/>
-              <a:t>06/05/2023</a:t>
+              <a:t>10/05/2023</a:t>
             </a:fld>
             <a:endParaRPr lang="vi-VN"/>
           </a:p>
@@ -1781,7 +1781,7 @@
           <a:p>
             <a:fld id="{069965B5-F552-4E18-8651-F7016DEF460E}" type="datetimeFigureOut">
               <a:rPr lang="vi-VN" smtClean="0"/>
-              <a:t>06/05/2023</a:t>
+              <a:t>10/05/2023</a:t>
             </a:fld>
             <a:endParaRPr lang="vi-VN"/>
           </a:p>
@@ -1899,7 +1899,7 @@
           <a:p>
             <a:fld id="{069965B5-F552-4E18-8651-F7016DEF460E}" type="datetimeFigureOut">
               <a:rPr lang="vi-VN" smtClean="0"/>
-              <a:t>06/05/2023</a:t>
+              <a:t>10/05/2023</a:t>
             </a:fld>
             <a:endParaRPr lang="vi-VN"/>
           </a:p>
@@ -1994,7 +1994,7 @@
           <a:p>
             <a:fld id="{069965B5-F552-4E18-8651-F7016DEF460E}" type="datetimeFigureOut">
               <a:rPr lang="vi-VN" smtClean="0"/>
-              <a:t>06/05/2023</a:t>
+              <a:t>10/05/2023</a:t>
             </a:fld>
             <a:endParaRPr lang="vi-VN"/>
           </a:p>
@@ -2271,7 +2271,7 @@
           <a:p>
             <a:fld id="{069965B5-F552-4E18-8651-F7016DEF460E}" type="datetimeFigureOut">
               <a:rPr lang="vi-VN" smtClean="0"/>
-              <a:t>06/05/2023</a:t>
+              <a:t>10/05/2023</a:t>
             </a:fld>
             <a:endParaRPr lang="vi-VN"/>
           </a:p>
@@ -2528,7 +2528,7 @@
           <a:p>
             <a:fld id="{069965B5-F552-4E18-8651-F7016DEF460E}" type="datetimeFigureOut">
               <a:rPr lang="vi-VN" smtClean="0"/>
-              <a:t>06/05/2023</a:t>
+              <a:t>10/05/2023</a:t>
             </a:fld>
             <a:endParaRPr lang="vi-VN"/>
           </a:p>
@@ -2746,7 +2746,7 @@
           <a:p>
             <a:fld id="{069965B5-F552-4E18-8651-F7016DEF460E}" type="datetimeFigureOut">
               <a:rPr lang="vi-VN" smtClean="0"/>
-              <a:t>06/05/2023</a:t>
+              <a:t>10/05/2023</a:t>
             </a:fld>
             <a:endParaRPr lang="vi-VN"/>
           </a:p>
@@ -3917,7 +3917,74 @@
                 </a:solidFill>
                 <a:ea typeface="微軟正黑體" pitchFamily="34" charset="-120"/>
               </a:rPr>
-              <a:t>Tình yêu thương ở trong sự trưởng thành của cuộc đời</a:t>
+              <a:t>Tình yêu </a:t>
+            </a:r>
+            <a:r>
+              <a:rPr lang="vi-VN" sz="3200" b="1" dirty="0">
+                <a:solidFill>
+                  <a:srgbClr val="660033"/>
+                </a:solidFill>
+                <a:ea typeface="微軟正黑體" pitchFamily="34" charset="-120"/>
+              </a:rPr>
+              <a:t>thương</a:t>
+            </a:r>
+            <a:r>
+              <a:rPr lang="vi-VN" sz="3200" b="1" dirty="0">
+                <a:solidFill>
+                  <a:srgbClr val="660033"/>
+                </a:solidFill>
+                <a:latin typeface="Calibri" panose="020F0502020204030204" pitchFamily="34" charset="0"/>
+                <a:ea typeface="微軟正黑體" pitchFamily="34" charset="-120"/>
+              </a:rPr>
+              <a:t> </a:t>
+            </a:r>
+            <a:r>
+              <a:rPr lang="en-US" sz="3200" b="1" dirty="0" err="1">
+                <a:solidFill>
+                  <a:srgbClr val="660033"/>
+                </a:solidFill>
+                <a:latin typeface="Arial" panose="020B0604020202020204" pitchFamily="34" charset="0"/>
+                <a:ea typeface="微軟正黑體" pitchFamily="34" charset="-120"/>
+                <a:cs typeface="Arial" panose="020B0604020202020204" pitchFamily="34" charset="0"/>
+              </a:rPr>
+              <a:t>nằm</a:t>
+            </a:r>
+            <a:r>
+              <a:rPr lang="en-US" sz="3200" b="1" dirty="0">
+                <a:solidFill>
+                  <a:srgbClr val="660033"/>
+                </a:solidFill>
+                <a:latin typeface="Calibri" panose="020F0502020204030204" pitchFamily="34" charset="0"/>
+                <a:ea typeface="微軟正黑體" pitchFamily="34" charset="-120"/>
+              </a:rPr>
+              <a:t> </a:t>
+            </a:r>
+            <a:r>
+              <a:rPr lang="vi-VN" sz="3200" b="1" dirty="0">
+                <a:solidFill>
+                  <a:srgbClr val="660033"/>
+                </a:solidFill>
+                <a:ea typeface="微軟正黑體" pitchFamily="34" charset="-120"/>
+              </a:rPr>
+              <a:t>ở sự </a:t>
+            </a:r>
+            <a:r>
+              <a:rPr lang="vi-VN" sz="3200" b="1" dirty="0">
+                <a:solidFill>
+                  <a:srgbClr val="660033"/>
+                </a:solidFill>
+                <a:ea typeface="微軟正黑體" pitchFamily="34" charset="-120"/>
+              </a:rPr>
+              <a:t>trưởng </a:t>
+            </a:r>
+            <a:r>
+              <a:rPr lang="vi-VN" sz="3200" b="1" dirty="0">
+                <a:solidFill>
+                  <a:srgbClr val="660033"/>
+                </a:solidFill>
+                <a:ea typeface="微軟正黑體" pitchFamily="34" charset="-120"/>
+              </a:rPr>
+              <a:t>thành của cuộc đời</a:t>
             </a:r>
           </a:p>
         </p:txBody>
